--- a/Documentação/Canva.pptx
+++ b/Documentação/Canva.pptx
@@ -261,7 +261,7 @@
           <a:p>
             <a:fld id="{B53E3E1F-C3DF-4698-8B6E-C0CD4299B5C5}" type="datetimeFigureOut">
               <a:rPr lang="pt-BR" smtClean="0"/>
-              <a:t>17/03/2022</a:t>
+              <a:t>21/04/2022</a:t>
             </a:fld>
             <a:endParaRPr lang="pt-BR"/>
           </a:p>
@@ -461,7 +461,7 @@
           <a:p>
             <a:fld id="{B53E3E1F-C3DF-4698-8B6E-C0CD4299B5C5}" type="datetimeFigureOut">
               <a:rPr lang="pt-BR" smtClean="0"/>
-              <a:t>17/03/2022</a:t>
+              <a:t>21/04/2022</a:t>
             </a:fld>
             <a:endParaRPr lang="pt-BR"/>
           </a:p>
@@ -671,7 +671,7 @@
           <a:p>
             <a:fld id="{B53E3E1F-C3DF-4698-8B6E-C0CD4299B5C5}" type="datetimeFigureOut">
               <a:rPr lang="pt-BR" smtClean="0"/>
-              <a:t>17/03/2022</a:t>
+              <a:t>21/04/2022</a:t>
             </a:fld>
             <a:endParaRPr lang="pt-BR"/>
           </a:p>
@@ -871,7 +871,7 @@
           <a:p>
             <a:fld id="{B53E3E1F-C3DF-4698-8B6E-C0CD4299B5C5}" type="datetimeFigureOut">
               <a:rPr lang="pt-BR" smtClean="0"/>
-              <a:t>17/03/2022</a:t>
+              <a:t>21/04/2022</a:t>
             </a:fld>
             <a:endParaRPr lang="pt-BR"/>
           </a:p>
@@ -1147,7 +1147,7 @@
           <a:p>
             <a:fld id="{B53E3E1F-C3DF-4698-8B6E-C0CD4299B5C5}" type="datetimeFigureOut">
               <a:rPr lang="pt-BR" smtClean="0"/>
-              <a:t>17/03/2022</a:t>
+              <a:t>21/04/2022</a:t>
             </a:fld>
             <a:endParaRPr lang="pt-BR"/>
           </a:p>
@@ -1415,7 +1415,7 @@
           <a:p>
             <a:fld id="{B53E3E1F-C3DF-4698-8B6E-C0CD4299B5C5}" type="datetimeFigureOut">
               <a:rPr lang="pt-BR" smtClean="0"/>
-              <a:t>17/03/2022</a:t>
+              <a:t>21/04/2022</a:t>
             </a:fld>
             <a:endParaRPr lang="pt-BR"/>
           </a:p>
@@ -1830,7 +1830,7 @@
           <a:p>
             <a:fld id="{B53E3E1F-C3DF-4698-8B6E-C0CD4299B5C5}" type="datetimeFigureOut">
               <a:rPr lang="pt-BR" smtClean="0"/>
-              <a:t>17/03/2022</a:t>
+              <a:t>21/04/2022</a:t>
             </a:fld>
             <a:endParaRPr lang="pt-BR"/>
           </a:p>
@@ -1972,7 +1972,7 @@
           <a:p>
             <a:fld id="{B53E3E1F-C3DF-4698-8B6E-C0CD4299B5C5}" type="datetimeFigureOut">
               <a:rPr lang="pt-BR" smtClean="0"/>
-              <a:t>17/03/2022</a:t>
+              <a:t>21/04/2022</a:t>
             </a:fld>
             <a:endParaRPr lang="pt-BR"/>
           </a:p>
@@ -2085,7 +2085,7 @@
           <a:p>
             <a:fld id="{B53E3E1F-C3DF-4698-8B6E-C0CD4299B5C5}" type="datetimeFigureOut">
               <a:rPr lang="pt-BR" smtClean="0"/>
-              <a:t>17/03/2022</a:t>
+              <a:t>21/04/2022</a:t>
             </a:fld>
             <a:endParaRPr lang="pt-BR"/>
           </a:p>
@@ -2398,7 +2398,7 @@
           <a:p>
             <a:fld id="{B53E3E1F-C3DF-4698-8B6E-C0CD4299B5C5}" type="datetimeFigureOut">
               <a:rPr lang="pt-BR" smtClean="0"/>
-              <a:t>17/03/2022</a:t>
+              <a:t>21/04/2022</a:t>
             </a:fld>
             <a:endParaRPr lang="pt-BR"/>
           </a:p>
@@ -2687,7 +2687,7 @@
           <a:p>
             <a:fld id="{B53E3E1F-C3DF-4698-8B6E-C0CD4299B5C5}" type="datetimeFigureOut">
               <a:rPr lang="pt-BR" smtClean="0"/>
-              <a:t>17/03/2022</a:t>
+              <a:t>21/04/2022</a:t>
             </a:fld>
             <a:endParaRPr lang="pt-BR"/>
           </a:p>
@@ -2930,7 +2930,7 @@
           <a:p>
             <a:fld id="{B53E3E1F-C3DF-4698-8B6E-C0CD4299B5C5}" type="datetimeFigureOut">
               <a:rPr lang="pt-BR" smtClean="0"/>
-              <a:t>17/03/2022</a:t>
+              <a:t>21/04/2022</a:t>
             </a:fld>
             <a:endParaRPr lang="pt-BR"/>
           </a:p>
@@ -4536,7 +4536,7 @@
         </p:nvSpPr>
         <p:spPr>
           <a:xfrm>
-            <a:off x="8395097" y="4768402"/>
+            <a:off x="7692341" y="4756969"/>
             <a:ext cx="1045826" cy="489398"/>
           </a:xfrm>
           <a:prstGeom prst="rect">
@@ -4596,7 +4596,7 @@
         </p:nvSpPr>
         <p:spPr>
           <a:xfrm>
-            <a:off x="8395097" y="4108628"/>
+            <a:off x="7692341" y="4092839"/>
             <a:ext cx="1045826" cy="489398"/>
           </a:xfrm>
           <a:prstGeom prst="rect">
@@ -4958,7 +4958,7 @@
         </p:nvSpPr>
         <p:spPr>
           <a:xfrm>
-            <a:off x="8499253" y="1990854"/>
+            <a:off x="8515428" y="1941429"/>
             <a:ext cx="857577" cy="432981"/>
           </a:xfrm>
           <a:prstGeom prst="rect">
@@ -5010,7 +5010,7 @@
         </p:nvSpPr>
         <p:spPr>
           <a:xfrm>
-            <a:off x="7500382" y="1990215"/>
+            <a:off x="7510449" y="1942220"/>
             <a:ext cx="882258" cy="432190"/>
           </a:xfrm>
           <a:prstGeom prst="rect">
@@ -5059,7 +5059,7 @@
         </p:nvSpPr>
         <p:spPr>
           <a:xfrm>
-            <a:off x="9440923" y="1972152"/>
+            <a:off x="9495726" y="1930893"/>
             <a:ext cx="900130" cy="451683"/>
           </a:xfrm>
           <a:prstGeom prst="rect">
@@ -5111,7 +5111,7 @@
         </p:nvSpPr>
         <p:spPr>
           <a:xfrm>
-            <a:off x="8499253" y="2804155"/>
+            <a:off x="8512894" y="2888478"/>
             <a:ext cx="857577" cy="432981"/>
           </a:xfrm>
           <a:prstGeom prst="rect">
@@ -5255,6 +5255,275 @@
                 <a:cs typeface="Arial" panose="020B0604020202020204" pitchFamily="34" charset="0"/>
               </a:rPr>
               <a:t>recompensa do aluguel</a:t>
+            </a:r>
+          </a:p>
+        </p:txBody>
+      </p:sp>
+      <p:sp>
+        <p:nvSpPr>
+          <p:cNvPr id="57" name="Rectangle 56">
+            <a:extLst>
+              <a:ext uri="{FF2B5EF4-FFF2-40B4-BE49-F238E27FC236}">
+                <a16:creationId xmlns:a16="http://schemas.microsoft.com/office/drawing/2014/main" id="{01532F0B-0EBC-4725-9909-C464AA2FCB25}"/>
+              </a:ext>
+            </a:extLst>
+          </p:cNvPr>
+          <p:cNvSpPr/>
+          <p:nvPr/>
+        </p:nvSpPr>
+        <p:spPr>
+          <a:xfrm>
+            <a:off x="9203909" y="4092839"/>
+            <a:ext cx="1045826" cy="489398"/>
+          </a:xfrm>
+          <a:prstGeom prst="rect">
+            <a:avLst/>
+          </a:prstGeom>
+        </p:spPr>
+        <p:style>
+          <a:lnRef idx="2">
+            <a:schemeClr val="accent3"/>
+          </a:lnRef>
+          <a:fillRef idx="1">
+            <a:schemeClr val="lt1"/>
+          </a:fillRef>
+          <a:effectRef idx="0">
+            <a:schemeClr val="accent3"/>
+          </a:effectRef>
+          <a:fontRef idx="minor">
+            <a:schemeClr val="dk1"/>
+          </a:fontRef>
+        </p:style>
+        <p:txBody>
+          <a:bodyPr rtlCol="0" anchor="ctr"/>
+          <a:lstStyle/>
+          <a:p>
+            <a:pPr algn="ctr"/>
+            <a:r>
+              <a:rPr lang="pt-BR" sz="1000" dirty="0">
+                <a:latin typeface="Arial" panose="020B0604020202020204" pitchFamily="34" charset="0"/>
+                <a:cs typeface="Arial" panose="020B0604020202020204" pitchFamily="34" charset="0"/>
+              </a:rPr>
+              <a:t>Controlar acesso dos locatarios</a:t>
+            </a:r>
+          </a:p>
+        </p:txBody>
+      </p:sp>
+      <p:sp>
+        <p:nvSpPr>
+          <p:cNvPr id="59" name="Rectangle 58">
+            <a:extLst>
+              <a:ext uri="{FF2B5EF4-FFF2-40B4-BE49-F238E27FC236}">
+                <a16:creationId xmlns:a16="http://schemas.microsoft.com/office/drawing/2014/main" id="{97B6E2C8-D525-4609-A7B8-FAE5D56927CE}"/>
+              </a:ext>
+            </a:extLst>
+          </p:cNvPr>
+          <p:cNvSpPr/>
+          <p:nvPr/>
+        </p:nvSpPr>
+        <p:spPr>
+          <a:xfrm>
+            <a:off x="9203909" y="4767475"/>
+            <a:ext cx="1045826" cy="582400"/>
+          </a:xfrm>
+          <a:prstGeom prst="rect">
+            <a:avLst/>
+          </a:prstGeom>
+        </p:spPr>
+        <p:style>
+          <a:lnRef idx="2">
+            <a:schemeClr val="accent3"/>
+          </a:lnRef>
+          <a:fillRef idx="1">
+            <a:schemeClr val="lt1"/>
+          </a:fillRef>
+          <a:effectRef idx="0">
+            <a:schemeClr val="accent3"/>
+          </a:effectRef>
+          <a:fontRef idx="minor">
+            <a:schemeClr val="dk1"/>
+          </a:fontRef>
+        </p:style>
+        <p:txBody>
+          <a:bodyPr rtlCol="0" anchor="ctr"/>
+          <a:lstStyle/>
+          <a:p>
+            <a:pPr algn="ctr"/>
+            <a:r>
+              <a:rPr lang="pt-BR" sz="1000" dirty="0">
+                <a:latin typeface="Arial" panose="020B0604020202020204" pitchFamily="34" charset="0"/>
+                <a:cs typeface="Arial" panose="020B0604020202020204" pitchFamily="34" charset="0"/>
+              </a:rPr>
+              <a:t>Gerenciar</a:t>
+            </a:r>
+          </a:p>
+          <a:p>
+            <a:pPr algn="ctr"/>
+            <a:r>
+              <a:rPr lang="pt-BR" sz="1000" dirty="0">
+                <a:latin typeface="Arial" panose="020B0604020202020204" pitchFamily="34" charset="0"/>
+                <a:cs typeface="Arial" panose="020B0604020202020204" pitchFamily="34" charset="0"/>
+              </a:rPr>
+              <a:t>Gerenciar ocorrencias dos alugueis</a:t>
+            </a:r>
+          </a:p>
+        </p:txBody>
+      </p:sp>
+      <p:sp>
+        <p:nvSpPr>
+          <p:cNvPr id="60" name="Rectangle 59">
+            <a:extLst>
+              <a:ext uri="{FF2B5EF4-FFF2-40B4-BE49-F238E27FC236}">
+                <a16:creationId xmlns:a16="http://schemas.microsoft.com/office/drawing/2014/main" id="{F52627F4-C0D9-4ACF-BC3E-033A00BB6EE4}"/>
+              </a:ext>
+            </a:extLst>
+          </p:cNvPr>
+          <p:cNvSpPr/>
+          <p:nvPr/>
+        </p:nvSpPr>
+        <p:spPr>
+          <a:xfrm>
+            <a:off x="7248088" y="3135828"/>
+            <a:ext cx="1203618" cy="490428"/>
+          </a:xfrm>
+          <a:prstGeom prst="rect">
+            <a:avLst/>
+          </a:prstGeom>
+        </p:spPr>
+        <p:style>
+          <a:lnRef idx="2">
+            <a:schemeClr val="dk1">
+              <a:shade val="50000"/>
+            </a:schemeClr>
+          </a:lnRef>
+          <a:fillRef idx="1">
+            <a:schemeClr val="dk1"/>
+          </a:fillRef>
+          <a:effectRef idx="0">
+            <a:schemeClr val="dk1"/>
+          </a:effectRef>
+          <a:fontRef idx="minor">
+            <a:schemeClr val="lt1"/>
+          </a:fontRef>
+        </p:style>
+        <p:txBody>
+          <a:bodyPr rtlCol="0" anchor="ctr"/>
+          <a:lstStyle/>
+          <a:p>
+            <a:pPr algn="ctr"/>
+            <a:r>
+              <a:rPr lang="pt-BR" sz="1000" dirty="0"/>
+              <a:t>Organização de veículos</a:t>
+            </a:r>
+            <a:r>
+              <a:rPr lang="en-US" sz="1000" dirty="0"/>
+              <a:t>/</a:t>
+            </a:r>
+            <a:r>
+              <a:rPr lang="en-US" sz="1000" dirty="0" err="1"/>
+              <a:t>acessorios</a:t>
+            </a:r>
+            <a:endParaRPr lang="pt-BR" sz="1000" dirty="0"/>
+          </a:p>
+        </p:txBody>
+      </p:sp>
+      <p:sp>
+        <p:nvSpPr>
+          <p:cNvPr id="61" name="Rectangle 60">
+            <a:extLst>
+              <a:ext uri="{FF2B5EF4-FFF2-40B4-BE49-F238E27FC236}">
+                <a16:creationId xmlns:a16="http://schemas.microsoft.com/office/drawing/2014/main" id="{0D8C8A9C-7FCB-4F23-A7E6-ED3BC03698F3}"/>
+              </a:ext>
+            </a:extLst>
+          </p:cNvPr>
+          <p:cNvSpPr/>
+          <p:nvPr/>
+        </p:nvSpPr>
+        <p:spPr>
+          <a:xfrm>
+            <a:off x="7238383" y="2661631"/>
+            <a:ext cx="1215684" cy="432190"/>
+          </a:xfrm>
+          <a:prstGeom prst="rect">
+            <a:avLst/>
+          </a:prstGeom>
+        </p:spPr>
+        <p:style>
+          <a:lnRef idx="2">
+            <a:schemeClr val="dk1">
+              <a:shade val="50000"/>
+            </a:schemeClr>
+          </a:lnRef>
+          <a:fillRef idx="1">
+            <a:schemeClr val="dk1"/>
+          </a:fillRef>
+          <a:effectRef idx="0">
+            <a:schemeClr val="dk1"/>
+          </a:effectRef>
+          <a:fontRef idx="minor">
+            <a:schemeClr val="lt1"/>
+          </a:fontRef>
+        </p:style>
+        <p:txBody>
+          <a:bodyPr rtlCol="0" anchor="ctr"/>
+          <a:lstStyle/>
+          <a:p>
+            <a:pPr algn="ctr"/>
+            <a:r>
+              <a:rPr lang="pt-BR" sz="1000" dirty="0"/>
+              <a:t>Necessidade do veículo</a:t>
+            </a:r>
+          </a:p>
+        </p:txBody>
+      </p:sp>
+      <p:sp>
+        <p:nvSpPr>
+          <p:cNvPr id="62" name="Rectangle 61">
+            <a:extLst>
+              <a:ext uri="{FF2B5EF4-FFF2-40B4-BE49-F238E27FC236}">
+                <a16:creationId xmlns:a16="http://schemas.microsoft.com/office/drawing/2014/main" id="{62D978BF-1378-4FD6-AA63-2EF2CEDF372F}"/>
+              </a:ext>
+            </a:extLst>
+          </p:cNvPr>
+          <p:cNvSpPr/>
+          <p:nvPr/>
+        </p:nvSpPr>
+        <p:spPr>
+          <a:xfrm>
+            <a:off x="9440555" y="2781057"/>
+            <a:ext cx="900130" cy="599985"/>
+          </a:xfrm>
+          <a:prstGeom prst="rect">
+            <a:avLst/>
+          </a:prstGeom>
+        </p:spPr>
+        <p:style>
+          <a:lnRef idx="2">
+            <a:schemeClr val="accent6">
+              <a:shade val="50000"/>
+            </a:schemeClr>
+          </a:lnRef>
+          <a:fillRef idx="1">
+            <a:schemeClr val="accent6"/>
+          </a:fillRef>
+          <a:effectRef idx="0">
+            <a:schemeClr val="accent6"/>
+          </a:effectRef>
+          <a:fontRef idx="minor">
+            <a:schemeClr val="lt1"/>
+          </a:fontRef>
+        </p:style>
+        <p:txBody>
+          <a:bodyPr rtlCol="0" anchor="ctr"/>
+          <a:lstStyle/>
+          <a:p>
+            <a:pPr algn="ctr"/>
+            <a:r>
+              <a:rPr lang="pt-BR" sz="1000" dirty="0">
+                <a:latin typeface="Arial" panose="020B0604020202020204" pitchFamily="34" charset="0"/>
+                <a:cs typeface="Arial" panose="020B0604020202020204" pitchFamily="34" charset="0"/>
+              </a:rPr>
+              <a:t>Controlar disponibilidade dos veiculos</a:t>
             </a:r>
           </a:p>
         </p:txBody>

--- a/Documentação/Canva.pptx
+++ b/Documentação/Canva.pptx
@@ -261,7 +261,7 @@
           <a:p>
             <a:fld id="{B53E3E1F-C3DF-4698-8B6E-C0CD4299B5C5}" type="datetimeFigureOut">
               <a:rPr lang="pt-BR" smtClean="0"/>
-              <a:t>21/04/2022</a:t>
+              <a:t>28/04/2022</a:t>
             </a:fld>
             <a:endParaRPr lang="pt-BR"/>
           </a:p>
@@ -315,7 +315,7 @@
           <a:p>
             <a:fld id="{8E9C0081-CB2B-46C7-B968-516679713FF9}" type="slidenum">
               <a:rPr lang="pt-BR" smtClean="0"/>
-              <a:t>‹#›</a:t>
+              <a:t>‹nº›</a:t>
             </a:fld>
             <a:endParaRPr lang="pt-BR"/>
           </a:p>
@@ -461,7 +461,7 @@
           <a:p>
             <a:fld id="{B53E3E1F-C3DF-4698-8B6E-C0CD4299B5C5}" type="datetimeFigureOut">
               <a:rPr lang="pt-BR" smtClean="0"/>
-              <a:t>21/04/2022</a:t>
+              <a:t>28/04/2022</a:t>
             </a:fld>
             <a:endParaRPr lang="pt-BR"/>
           </a:p>
@@ -515,7 +515,7 @@
           <a:p>
             <a:fld id="{8E9C0081-CB2B-46C7-B968-516679713FF9}" type="slidenum">
               <a:rPr lang="pt-BR" smtClean="0"/>
-              <a:t>‹#›</a:t>
+              <a:t>‹nº›</a:t>
             </a:fld>
             <a:endParaRPr lang="pt-BR"/>
           </a:p>
@@ -671,7 +671,7 @@
           <a:p>
             <a:fld id="{B53E3E1F-C3DF-4698-8B6E-C0CD4299B5C5}" type="datetimeFigureOut">
               <a:rPr lang="pt-BR" smtClean="0"/>
-              <a:t>21/04/2022</a:t>
+              <a:t>28/04/2022</a:t>
             </a:fld>
             <a:endParaRPr lang="pt-BR"/>
           </a:p>
@@ -725,7 +725,7 @@
           <a:p>
             <a:fld id="{8E9C0081-CB2B-46C7-B968-516679713FF9}" type="slidenum">
               <a:rPr lang="pt-BR" smtClean="0"/>
-              <a:t>‹#›</a:t>
+              <a:t>‹nº›</a:t>
             </a:fld>
             <a:endParaRPr lang="pt-BR"/>
           </a:p>
@@ -871,7 +871,7 @@
           <a:p>
             <a:fld id="{B53E3E1F-C3DF-4698-8B6E-C0CD4299B5C5}" type="datetimeFigureOut">
               <a:rPr lang="pt-BR" smtClean="0"/>
-              <a:t>21/04/2022</a:t>
+              <a:t>28/04/2022</a:t>
             </a:fld>
             <a:endParaRPr lang="pt-BR"/>
           </a:p>
@@ -925,7 +925,7 @@
           <a:p>
             <a:fld id="{8E9C0081-CB2B-46C7-B968-516679713FF9}" type="slidenum">
               <a:rPr lang="pt-BR" smtClean="0"/>
-              <a:t>‹#›</a:t>
+              <a:t>‹nº›</a:t>
             </a:fld>
             <a:endParaRPr lang="pt-BR"/>
           </a:p>
@@ -1147,7 +1147,7 @@
           <a:p>
             <a:fld id="{B53E3E1F-C3DF-4698-8B6E-C0CD4299B5C5}" type="datetimeFigureOut">
               <a:rPr lang="pt-BR" smtClean="0"/>
-              <a:t>21/04/2022</a:t>
+              <a:t>28/04/2022</a:t>
             </a:fld>
             <a:endParaRPr lang="pt-BR"/>
           </a:p>
@@ -1201,7 +1201,7 @@
           <a:p>
             <a:fld id="{8E9C0081-CB2B-46C7-B968-516679713FF9}" type="slidenum">
               <a:rPr lang="pt-BR" smtClean="0"/>
-              <a:t>‹#›</a:t>
+              <a:t>‹nº›</a:t>
             </a:fld>
             <a:endParaRPr lang="pt-BR"/>
           </a:p>
@@ -1415,7 +1415,7 @@
           <a:p>
             <a:fld id="{B53E3E1F-C3DF-4698-8B6E-C0CD4299B5C5}" type="datetimeFigureOut">
               <a:rPr lang="pt-BR" smtClean="0"/>
-              <a:t>21/04/2022</a:t>
+              <a:t>28/04/2022</a:t>
             </a:fld>
             <a:endParaRPr lang="pt-BR"/>
           </a:p>
@@ -1469,7 +1469,7 @@
           <a:p>
             <a:fld id="{8E9C0081-CB2B-46C7-B968-516679713FF9}" type="slidenum">
               <a:rPr lang="pt-BR" smtClean="0"/>
-              <a:t>‹#›</a:t>
+              <a:t>‹nº›</a:t>
             </a:fld>
             <a:endParaRPr lang="pt-BR"/>
           </a:p>
@@ -1830,7 +1830,7 @@
           <a:p>
             <a:fld id="{B53E3E1F-C3DF-4698-8B6E-C0CD4299B5C5}" type="datetimeFigureOut">
               <a:rPr lang="pt-BR" smtClean="0"/>
-              <a:t>21/04/2022</a:t>
+              <a:t>28/04/2022</a:t>
             </a:fld>
             <a:endParaRPr lang="pt-BR"/>
           </a:p>
@@ -1884,7 +1884,7 @@
           <a:p>
             <a:fld id="{8E9C0081-CB2B-46C7-B968-516679713FF9}" type="slidenum">
               <a:rPr lang="pt-BR" smtClean="0"/>
-              <a:t>‹#›</a:t>
+              <a:t>‹nº›</a:t>
             </a:fld>
             <a:endParaRPr lang="pt-BR"/>
           </a:p>
@@ -1972,7 +1972,7 @@
           <a:p>
             <a:fld id="{B53E3E1F-C3DF-4698-8B6E-C0CD4299B5C5}" type="datetimeFigureOut">
               <a:rPr lang="pt-BR" smtClean="0"/>
-              <a:t>21/04/2022</a:t>
+              <a:t>28/04/2022</a:t>
             </a:fld>
             <a:endParaRPr lang="pt-BR"/>
           </a:p>
@@ -2026,7 +2026,7 @@
           <a:p>
             <a:fld id="{8E9C0081-CB2B-46C7-B968-516679713FF9}" type="slidenum">
               <a:rPr lang="pt-BR" smtClean="0"/>
-              <a:t>‹#›</a:t>
+              <a:t>‹nº›</a:t>
             </a:fld>
             <a:endParaRPr lang="pt-BR"/>
           </a:p>
@@ -2085,7 +2085,7 @@
           <a:p>
             <a:fld id="{B53E3E1F-C3DF-4698-8B6E-C0CD4299B5C5}" type="datetimeFigureOut">
               <a:rPr lang="pt-BR" smtClean="0"/>
-              <a:t>21/04/2022</a:t>
+              <a:t>28/04/2022</a:t>
             </a:fld>
             <a:endParaRPr lang="pt-BR"/>
           </a:p>
@@ -2139,7 +2139,7 @@
           <a:p>
             <a:fld id="{8E9C0081-CB2B-46C7-B968-516679713FF9}" type="slidenum">
               <a:rPr lang="pt-BR" smtClean="0"/>
-              <a:t>‹#›</a:t>
+              <a:t>‹nº›</a:t>
             </a:fld>
             <a:endParaRPr lang="pt-BR"/>
           </a:p>
@@ -2398,7 +2398,7 @@
           <a:p>
             <a:fld id="{B53E3E1F-C3DF-4698-8B6E-C0CD4299B5C5}" type="datetimeFigureOut">
               <a:rPr lang="pt-BR" smtClean="0"/>
-              <a:t>21/04/2022</a:t>
+              <a:t>28/04/2022</a:t>
             </a:fld>
             <a:endParaRPr lang="pt-BR"/>
           </a:p>
@@ -2452,7 +2452,7 @@
           <a:p>
             <a:fld id="{8E9C0081-CB2B-46C7-B968-516679713FF9}" type="slidenum">
               <a:rPr lang="pt-BR" smtClean="0"/>
-              <a:t>‹#›</a:t>
+              <a:t>‹nº›</a:t>
             </a:fld>
             <a:endParaRPr lang="pt-BR"/>
           </a:p>
@@ -2687,7 +2687,7 @@
           <a:p>
             <a:fld id="{B53E3E1F-C3DF-4698-8B6E-C0CD4299B5C5}" type="datetimeFigureOut">
               <a:rPr lang="pt-BR" smtClean="0"/>
-              <a:t>21/04/2022</a:t>
+              <a:t>28/04/2022</a:t>
             </a:fld>
             <a:endParaRPr lang="pt-BR"/>
           </a:p>
@@ -2741,7 +2741,7 @@
           <a:p>
             <a:fld id="{8E9C0081-CB2B-46C7-B968-516679713FF9}" type="slidenum">
               <a:rPr lang="pt-BR" smtClean="0"/>
-              <a:t>‹#›</a:t>
+              <a:t>‹nº›</a:t>
             </a:fld>
             <a:endParaRPr lang="pt-BR"/>
           </a:p>
@@ -2930,7 +2930,7 @@
           <a:p>
             <a:fld id="{B53E3E1F-C3DF-4698-8B6E-C0CD4299B5C5}" type="datetimeFigureOut">
               <a:rPr lang="pt-BR" smtClean="0"/>
-              <a:t>21/04/2022</a:t>
+              <a:t>28/04/2022</a:t>
             </a:fld>
             <a:endParaRPr lang="pt-BR"/>
           </a:p>
@@ -3020,7 +3020,7 @@
           <a:p>
             <a:fld id="{8E9C0081-CB2B-46C7-B968-516679713FF9}" type="slidenum">
               <a:rPr lang="pt-BR" smtClean="0"/>
-              <a:t>‹#›</a:t>
+              <a:t>‹nº›</a:t>
             </a:fld>
             <a:endParaRPr lang="pt-BR"/>
           </a:p>
@@ -3838,7 +3838,7 @@
                 <a:latin typeface="Arial" panose="020B0604020202020204" pitchFamily="34" charset="0"/>
                 <a:cs typeface="Arial" panose="020B0604020202020204" pitchFamily="34" charset="0"/>
               </a:rPr>
-              <a:t>Locatario</a:t>
+              <a:t>Locatário</a:t>
             </a:r>
           </a:p>
         </p:txBody>
@@ -3994,7 +3994,7 @@
                 <a:latin typeface="Arial" panose="020B0604020202020204" pitchFamily="34" charset="0"/>
                 <a:cs typeface="Arial" panose="020B0604020202020204" pitchFamily="34" charset="0"/>
               </a:rPr>
-              <a:t>Feeback</a:t>
+              <a:t>Feedback</a:t>
             </a:r>
           </a:p>
         </p:txBody>
@@ -4887,7 +4887,7 @@
                 <a:latin typeface="Arial" panose="020B0604020202020204" pitchFamily="34" charset="0"/>
                 <a:cs typeface="Arial" panose="020B0604020202020204" pitchFamily="34" charset="0"/>
               </a:rPr>
-              <a:t>Gerenciar Locatarios</a:t>
+              <a:t>Gerenciar Locatários</a:t>
             </a:r>
           </a:p>
         </p:txBody>
@@ -4991,7 +4991,7 @@
                 <a:latin typeface="Arial" panose="020B0604020202020204" pitchFamily="34" charset="0"/>
                 <a:cs typeface="Arial" panose="020B0604020202020204" pitchFamily="34" charset="0"/>
               </a:rPr>
-              <a:t>Gerenciar Locatarios</a:t>
+              <a:t>Gerenciar Locatários</a:t>
             </a:r>
           </a:p>
         </p:txBody>
@@ -5304,7 +5304,7 @@
                 <a:latin typeface="Arial" panose="020B0604020202020204" pitchFamily="34" charset="0"/>
                 <a:cs typeface="Arial" panose="020B0604020202020204" pitchFamily="34" charset="0"/>
               </a:rPr>
-              <a:t>Controlar acesso dos locatarios</a:t>
+              <a:t>Controlar acesso dos locatários</a:t>
             </a:r>
           </a:p>
         </p:txBody>
@@ -5347,16 +5347,6 @@
         <p:txBody>
           <a:bodyPr rtlCol="0" anchor="ctr"/>
           <a:lstStyle/>
-          <a:p>
-            <a:pPr algn="ctr"/>
-            <a:r>
-              <a:rPr lang="pt-BR" sz="1000" dirty="0">
-                <a:latin typeface="Arial" panose="020B0604020202020204" pitchFamily="34" charset="0"/>
-                <a:cs typeface="Arial" panose="020B0604020202020204" pitchFamily="34" charset="0"/>
-              </a:rPr>
-              <a:t>Gerenciar</a:t>
-            </a:r>
-          </a:p>
           <a:p>
             <a:pPr algn="ctr"/>
             <a:r>
@@ -5417,11 +5407,7 @@
             </a:r>
             <a:r>
               <a:rPr lang="en-US" sz="1000" dirty="0"/>
-              <a:t>/</a:t>
-            </a:r>
-            <a:r>
-              <a:rPr lang="en-US" sz="1000" dirty="0" err="1"/>
-              <a:t>acessorios</a:t>
+              <a:t>/acessórios</a:t>
             </a:r>
             <a:endParaRPr lang="pt-BR" sz="1000" dirty="0"/>
           </a:p>
@@ -5523,7 +5509,48 @@
                 <a:latin typeface="Arial" panose="020B0604020202020204" pitchFamily="34" charset="0"/>
                 <a:cs typeface="Arial" panose="020B0604020202020204" pitchFamily="34" charset="0"/>
               </a:rPr>
-              <a:t>Controlar disponibilidade dos veiculos</a:t>
+              <a:t>Controlar disponibilidade dos veículos</a:t>
+            </a:r>
+          </a:p>
+        </p:txBody>
+      </p:sp>
+      <p:sp>
+        <p:nvSpPr>
+          <p:cNvPr id="4" name="CaixaDeTexto 3">
+            <a:extLst>
+              <a:ext uri="{FF2B5EF4-FFF2-40B4-BE49-F238E27FC236}">
+                <a16:creationId xmlns:a16="http://schemas.microsoft.com/office/drawing/2014/main" id="{1578AA48-B7DB-4750-9E0F-9BE5763A7F78}"/>
+              </a:ext>
+            </a:extLst>
+          </p:cNvPr>
+          <p:cNvSpPr txBox="1"/>
+          <p:nvPr/>
+        </p:nvSpPr>
+        <p:spPr>
+          <a:xfrm>
+            <a:off x="7781571" y="73412"/>
+            <a:ext cx="1421516" cy="523220"/>
+          </a:xfrm>
+          <a:prstGeom prst="rect">
+            <a:avLst/>
+          </a:prstGeom>
+          <a:noFill/>
+        </p:spPr>
+        <p:txBody>
+          <a:bodyPr wrap="square" rtlCol="0">
+            <a:spAutoFit/>
+          </a:bodyPr>
+          <a:lstStyle/>
+          <a:p>
+            <a:r>
+              <a:rPr lang="pt-BR" sz="2800" dirty="0">
+                <a:solidFill>
+                  <a:schemeClr val="accent2">
+                    <a:lumMod val="75000"/>
+                  </a:schemeClr>
+                </a:solidFill>
+              </a:rPr>
+              <a:t>AluCar</a:t>
             </a:r>
           </a:p>
         </p:txBody>
